--- a/Cypress and Playwright.pptx
+++ b/Cypress and Playwright.pptx
@@ -1906,7 +1906,7 @@
         </p:nvSpPr>
         <p:spPr>
           <a:xfrm>
-            <a:off x="381300" y="685800"/>
+            <a:off x="381000" y="685800"/>
             <a:ext cx="6096000" cy="3429000"/>
           </a:xfrm>
           <a:custGeom>
@@ -14719,7 +14719,7 @@
               </a:spcAft>
               <a:buNone/>
             </a:pPr>
-            <a:endParaRPr/>
+            <a:endParaRPr dirty="0"/>
           </a:p>
           <a:p>
             <a:pPr marL="457200" lvl="0" indent="-342900" algn="l" rtl="0">
@@ -14733,10 +14733,10 @@
               <a:buAutoNum type="arabicPeriod"/>
             </a:pPr>
             <a:r>
-              <a:rPr lang="en-GB"/>
+              <a:rPr lang="en-GB" dirty="0"/>
               <a:t>The Project</a:t>
             </a:r>
-            <a:endParaRPr/>
+            <a:endParaRPr dirty="0"/>
           </a:p>
           <a:p>
             <a:pPr marL="457200" lvl="0" indent="-342900" algn="l" rtl="0">
@@ -14750,10 +14750,10 @@
               <a:buAutoNum type="arabicPeriod"/>
             </a:pPr>
             <a:r>
-              <a:rPr lang="en-GB"/>
+              <a:rPr lang="en-GB" dirty="0"/>
               <a:t>Syntax</a:t>
             </a:r>
-            <a:endParaRPr/>
+            <a:endParaRPr dirty="0"/>
           </a:p>
           <a:p>
             <a:pPr marL="457200" lvl="0" indent="-342900" algn="l" rtl="0">
@@ -14767,10 +14767,10 @@
               <a:buAutoNum type="arabicPeriod"/>
             </a:pPr>
             <a:r>
-              <a:rPr lang="en-GB"/>
+              <a:rPr lang="en-GB" dirty="0"/>
               <a:t>CI/CD</a:t>
             </a:r>
-            <a:endParaRPr/>
+            <a:endParaRPr dirty="0"/>
           </a:p>
           <a:p>
             <a:pPr marL="914400" lvl="1" indent="-317500" algn="l" rtl="0">
@@ -14784,10 +14784,10 @@
               <a:buAutoNum type="alphaLcPeriod"/>
             </a:pPr>
             <a:r>
-              <a:rPr lang="en-GB"/>
-              <a:t>Debugging</a:t>
+              <a:rPr lang="en-GB" dirty="0"/>
+              <a:t>Config</a:t>
             </a:r>
-            <a:endParaRPr/>
+            <a:endParaRPr dirty="0"/>
           </a:p>
           <a:p>
             <a:pPr marL="914400" lvl="1" indent="-317500" algn="l" rtl="0">
@@ -14801,10 +14801,10 @@
               <a:buAutoNum type="alphaLcPeriod"/>
             </a:pPr>
             <a:r>
-              <a:rPr lang="en-GB"/>
+              <a:rPr lang="en-GB" dirty="0"/>
               <a:t>Logging</a:t>
             </a:r>
-            <a:endParaRPr/>
+            <a:endParaRPr dirty="0"/>
           </a:p>
           <a:p>
             <a:pPr marL="914400" lvl="1" indent="-317500" algn="l" rtl="0">
@@ -14818,10 +14818,10 @@
               <a:buAutoNum type="alphaLcPeriod"/>
             </a:pPr>
             <a:r>
-              <a:rPr lang="en-GB"/>
+              <a:rPr lang="en-GB" dirty="0"/>
               <a:t>Test Organization</a:t>
             </a:r>
-            <a:endParaRPr/>
+            <a:endParaRPr dirty="0"/>
           </a:p>
           <a:p>
             <a:pPr marL="457200" lvl="0" indent="-342900" algn="l" rtl="0">
@@ -14835,10 +14835,10 @@
               <a:buAutoNum type="arabicPeriod"/>
             </a:pPr>
             <a:r>
-              <a:rPr lang="en-GB"/>
+              <a:rPr lang="en-GB" dirty="0"/>
               <a:t>Features needed for Project </a:t>
             </a:r>
-            <a:endParaRPr/>
+            <a:endParaRPr dirty="0"/>
           </a:p>
         </p:txBody>
       </p:sp>

--- a/Cypress and Playwright.pptx
+++ b/Cypress and Playwright.pptx
@@ -14,17 +14,17 @@
     <p:sldId id="259" r:id="rId5"/>
     <p:sldId id="260" r:id="rId6"/>
     <p:sldId id="261" r:id="rId7"/>
-    <p:sldId id="262" r:id="rId8"/>
-    <p:sldId id="263" r:id="rId9"/>
-    <p:sldId id="264" r:id="rId10"/>
-    <p:sldId id="273" r:id="rId11"/>
-    <p:sldId id="265" r:id="rId12"/>
-    <p:sldId id="266" r:id="rId13"/>
-    <p:sldId id="267" r:id="rId14"/>
-    <p:sldId id="268" r:id="rId15"/>
-    <p:sldId id="269" r:id="rId16"/>
-    <p:sldId id="270" r:id="rId17"/>
-    <p:sldId id="271" r:id="rId18"/>
+    <p:sldId id="264" r:id="rId8"/>
+    <p:sldId id="273" r:id="rId9"/>
+    <p:sldId id="265" r:id="rId10"/>
+    <p:sldId id="266" r:id="rId11"/>
+    <p:sldId id="267" r:id="rId12"/>
+    <p:sldId id="268" r:id="rId13"/>
+    <p:sldId id="269" r:id="rId14"/>
+    <p:sldId id="270" r:id="rId15"/>
+    <p:sldId id="271" r:id="rId16"/>
+    <p:sldId id="262" r:id="rId17"/>
+    <p:sldId id="263" r:id="rId18"/>
     <p:sldId id="272" r:id="rId19"/>
     <p:sldId id="274" r:id="rId20"/>
   </p:sldIdLst>
@@ -32,7 +32,7 @@
   <p:notesSz cx="6858000" cy="9144000"/>
   <p:embeddedFontLst>
     <p:embeddedFont>
-      <p:font typeface="Josefin Slab" panose="020B0604020202020204" pitchFamily="2" charset="0"/>
+      <p:font typeface="Josefin Slab" pitchFamily="2" charset="0"/>
       <p:regular r:id="rId22"/>
       <p:bold r:id="rId23"/>
       <p:italic r:id="rId24"/>
@@ -842,214 +842,6 @@
   <p:cSld>
     <p:spTree>
       <p:nvGrpSpPr>
-        <p:cNvPr id="1" name="Shape 136"/>
-        <p:cNvGrpSpPr/>
-        <p:nvPr/>
-      </p:nvGrpSpPr>
-      <p:grpSpPr>
-        <a:xfrm>
-          <a:off x="0" y="0"/>
-          <a:ext cx="0" cy="0"/>
-          <a:chOff x="0" y="0"/>
-          <a:chExt cx="0" cy="0"/>
-        </a:xfrm>
-      </p:grpSpPr>
-      <p:sp>
-        <p:nvSpPr>
-          <p:cNvPr id="137" name="Google Shape;137;g12db958e382_0_116:notes"/>
-          <p:cNvSpPr>
-            <a:spLocks noGrp="1" noRot="1" noChangeAspect="1"/>
-          </p:cNvSpPr>
-          <p:nvPr>
-            <p:ph type="sldImg" idx="2"/>
-          </p:nvPr>
-        </p:nvSpPr>
-        <p:spPr>
-          <a:xfrm>
-            <a:off x="381300" y="685800"/>
-            <a:ext cx="6096000" cy="3429000"/>
-          </a:xfrm>
-          <a:custGeom>
-            <a:avLst/>
-            <a:gdLst/>
-            <a:ahLst/>
-            <a:cxnLst/>
-            <a:rect l="l" t="t" r="r" b="b"/>
-            <a:pathLst>
-              <a:path w="120000" h="120000" extrusionOk="0">
-                <a:moveTo>
-                  <a:pt x="0" y="0"/>
-                </a:moveTo>
-                <a:lnTo>
-                  <a:pt x="120000" y="0"/>
-                </a:lnTo>
-                <a:lnTo>
-                  <a:pt x="120000" y="120000"/>
-                </a:lnTo>
-                <a:lnTo>
-                  <a:pt x="0" y="120000"/>
-                </a:lnTo>
-                <a:close/>
-              </a:path>
-            </a:pathLst>
-          </a:custGeom>
-        </p:spPr>
-      </p:sp>
-      <p:sp>
-        <p:nvSpPr>
-          <p:cNvPr id="138" name="Google Shape;138;g12db958e382_0_116:notes"/>
-          <p:cNvSpPr txBox="1">
-            <a:spLocks noGrp="1"/>
-          </p:cNvSpPr>
-          <p:nvPr>
-            <p:ph type="body" idx="1"/>
-          </p:nvPr>
-        </p:nvSpPr>
-        <p:spPr>
-          <a:xfrm>
-            <a:off x="685800" y="4343400"/>
-            <a:ext cx="5486400" cy="4114800"/>
-          </a:xfrm>
-          <a:prstGeom prst="rect">
-            <a:avLst/>
-          </a:prstGeom>
-        </p:spPr>
-        <p:txBody>
-          <a:bodyPr spcFirstLastPara="1" wrap="square" lIns="91425" tIns="91425" rIns="91425" bIns="91425" anchor="t" anchorCtr="0">
-            <a:noAutofit/>
-          </a:bodyPr>
-          <a:lstStyle/>
-          <a:p>
-            <a:pPr marL="0" lvl="0" indent="0" algn="l" rtl="0">
-              <a:spcBef>
-                <a:spcPts val="0"/>
-              </a:spcBef>
-              <a:spcAft>
-                <a:spcPts val="0"/>
-              </a:spcAft>
-              <a:buNone/>
-            </a:pPr>
-            <a:endParaRPr/>
-          </a:p>
-        </p:txBody>
-      </p:sp>
-    </p:spTree>
-  </p:cSld>
-  <p:clrMapOvr>
-    <a:masterClrMapping/>
-  </p:clrMapOvr>
-</p:notes>
-</file>
-
-<file path=ppt/notesSlides/notesSlide11.xml><?xml version="1.0" encoding="utf-8"?>
-<p:notes xmlns:a="http://schemas.openxmlformats.org/drawingml/2006/main" xmlns:r="http://schemas.openxmlformats.org/officeDocument/2006/relationships" xmlns:p="http://schemas.openxmlformats.org/presentationml/2006/main" showMasterSp="0" showMasterPhAnim="0">
-  <p:cSld>
-    <p:spTree>
-      <p:nvGrpSpPr>
-        <p:cNvPr id="1" name="Shape 142"/>
-        <p:cNvGrpSpPr/>
-        <p:nvPr/>
-      </p:nvGrpSpPr>
-      <p:grpSpPr>
-        <a:xfrm>
-          <a:off x="0" y="0"/>
-          <a:ext cx="0" cy="0"/>
-          <a:chOff x="0" y="0"/>
-          <a:chExt cx="0" cy="0"/>
-        </a:xfrm>
-      </p:grpSpPr>
-      <p:sp>
-        <p:nvSpPr>
-          <p:cNvPr id="143" name="Google Shape;143;g12e8bae26a4_1_0:notes"/>
-          <p:cNvSpPr>
-            <a:spLocks noGrp="1" noRot="1" noChangeAspect="1"/>
-          </p:cNvSpPr>
-          <p:nvPr>
-            <p:ph type="sldImg" idx="2"/>
-          </p:nvPr>
-        </p:nvSpPr>
-        <p:spPr>
-          <a:xfrm>
-            <a:off x="381300" y="685800"/>
-            <a:ext cx="6096000" cy="3429000"/>
-          </a:xfrm>
-          <a:custGeom>
-            <a:avLst/>
-            <a:gdLst/>
-            <a:ahLst/>
-            <a:cxnLst/>
-            <a:rect l="l" t="t" r="r" b="b"/>
-            <a:pathLst>
-              <a:path w="120000" h="120000" extrusionOk="0">
-                <a:moveTo>
-                  <a:pt x="0" y="0"/>
-                </a:moveTo>
-                <a:lnTo>
-                  <a:pt x="120000" y="0"/>
-                </a:lnTo>
-                <a:lnTo>
-                  <a:pt x="120000" y="120000"/>
-                </a:lnTo>
-                <a:lnTo>
-                  <a:pt x="0" y="120000"/>
-                </a:lnTo>
-                <a:close/>
-              </a:path>
-            </a:pathLst>
-          </a:custGeom>
-        </p:spPr>
-      </p:sp>
-      <p:sp>
-        <p:nvSpPr>
-          <p:cNvPr id="144" name="Google Shape;144;g12e8bae26a4_1_0:notes"/>
-          <p:cNvSpPr txBox="1">
-            <a:spLocks noGrp="1"/>
-          </p:cNvSpPr>
-          <p:nvPr>
-            <p:ph type="body" idx="1"/>
-          </p:nvPr>
-        </p:nvSpPr>
-        <p:spPr>
-          <a:xfrm>
-            <a:off x="685800" y="4343400"/>
-            <a:ext cx="5486400" cy="4114800"/>
-          </a:xfrm>
-          <a:prstGeom prst="rect">
-            <a:avLst/>
-          </a:prstGeom>
-        </p:spPr>
-        <p:txBody>
-          <a:bodyPr spcFirstLastPara="1" wrap="square" lIns="91425" tIns="91425" rIns="91425" bIns="91425" anchor="t" anchorCtr="0">
-            <a:noAutofit/>
-          </a:bodyPr>
-          <a:lstStyle/>
-          <a:p>
-            <a:pPr marL="0" lvl="0" indent="0" algn="l" rtl="0">
-              <a:spcBef>
-                <a:spcPts val="0"/>
-              </a:spcBef>
-              <a:spcAft>
-                <a:spcPts val="0"/>
-              </a:spcAft>
-              <a:buNone/>
-            </a:pPr>
-            <a:endParaRPr/>
-          </a:p>
-        </p:txBody>
-      </p:sp>
-    </p:spTree>
-  </p:cSld>
-  <p:clrMapOvr>
-    <a:masterClrMapping/>
-  </p:clrMapOvr>
-</p:notes>
-</file>
-
-<file path=ppt/notesSlides/notesSlide12.xml><?xml version="1.0" encoding="utf-8"?>
-<p:notes xmlns:a="http://schemas.openxmlformats.org/drawingml/2006/main" xmlns:r="http://schemas.openxmlformats.org/officeDocument/2006/relationships" xmlns:p="http://schemas.openxmlformats.org/presentationml/2006/main" showMasterSp="0" showMasterPhAnim="0">
-  <p:cSld>
-    <p:spTree>
-      <p:nvGrpSpPr>
         <p:cNvPr id="1" name="Shape 148"/>
         <p:cNvGrpSpPr/>
         <p:nvPr/>
@@ -1149,7 +941,7 @@
 </p:notes>
 </file>
 
-<file path=ppt/notesSlides/notesSlide13.xml><?xml version="1.0" encoding="utf-8"?>
+<file path=ppt/notesSlides/notesSlide11.xml><?xml version="1.0" encoding="utf-8"?>
 <p:notes xmlns:a="http://schemas.openxmlformats.org/drawingml/2006/main" xmlns:r="http://schemas.openxmlformats.org/officeDocument/2006/relationships" xmlns:p="http://schemas.openxmlformats.org/presentationml/2006/main" showMasterSp="0" showMasterPhAnim="0">
   <p:cSld>
     <p:spTree>
@@ -1253,7 +1045,7 @@
 </p:notes>
 </file>
 
-<file path=ppt/notesSlides/notesSlide14.xml><?xml version="1.0" encoding="utf-8"?>
+<file path=ppt/notesSlides/notesSlide12.xml><?xml version="1.0" encoding="utf-8"?>
 <p:notes xmlns:a="http://schemas.openxmlformats.org/drawingml/2006/main" xmlns:r="http://schemas.openxmlformats.org/officeDocument/2006/relationships" xmlns:p="http://schemas.openxmlformats.org/presentationml/2006/main" showMasterSp="0" showMasterPhAnim="0">
   <p:cSld>
     <p:spTree>
@@ -1357,7 +1149,7 @@
 </p:notes>
 </file>
 
-<file path=ppt/notesSlides/notesSlide15.xml><?xml version="1.0" encoding="utf-8"?>
+<file path=ppt/notesSlides/notesSlide13.xml><?xml version="1.0" encoding="utf-8"?>
 <p:notes xmlns:a="http://schemas.openxmlformats.org/drawingml/2006/main" xmlns:r="http://schemas.openxmlformats.org/officeDocument/2006/relationships" xmlns:p="http://schemas.openxmlformats.org/presentationml/2006/main" showMasterSp="0" showMasterPhAnim="0">
   <p:cSld>
     <p:spTree>
@@ -1461,7 +1253,7 @@
 </p:notes>
 </file>
 
-<file path=ppt/notesSlides/notesSlide16.xml><?xml version="1.0" encoding="utf-8"?>
+<file path=ppt/notesSlides/notesSlide14.xml><?xml version="1.0" encoding="utf-8"?>
 <p:notes xmlns:a="http://schemas.openxmlformats.org/drawingml/2006/main" xmlns:r="http://schemas.openxmlformats.org/officeDocument/2006/relationships" xmlns:p="http://schemas.openxmlformats.org/presentationml/2006/main" showMasterSp="0" showMasterPhAnim="0">
   <p:cSld>
     <p:spTree>
@@ -1522,6 +1314,214 @@
       <p:sp>
         <p:nvSpPr>
           <p:cNvPr id="178" name="Google Shape;178;g12e8bae26a4_1_55:notes"/>
+          <p:cNvSpPr txBox="1">
+            <a:spLocks noGrp="1"/>
+          </p:cNvSpPr>
+          <p:nvPr>
+            <p:ph type="body" idx="1"/>
+          </p:nvPr>
+        </p:nvSpPr>
+        <p:spPr>
+          <a:xfrm>
+            <a:off x="685800" y="4343400"/>
+            <a:ext cx="5486400" cy="4114800"/>
+          </a:xfrm>
+          <a:prstGeom prst="rect">
+            <a:avLst/>
+          </a:prstGeom>
+        </p:spPr>
+        <p:txBody>
+          <a:bodyPr spcFirstLastPara="1" wrap="square" lIns="91425" tIns="91425" rIns="91425" bIns="91425" anchor="t" anchorCtr="0">
+            <a:noAutofit/>
+          </a:bodyPr>
+          <a:lstStyle/>
+          <a:p>
+            <a:pPr marL="0" lvl="0" indent="0" algn="l" rtl="0">
+              <a:spcBef>
+                <a:spcPts val="0"/>
+              </a:spcBef>
+              <a:spcAft>
+                <a:spcPts val="0"/>
+              </a:spcAft>
+              <a:buNone/>
+            </a:pPr>
+            <a:endParaRPr/>
+          </a:p>
+        </p:txBody>
+      </p:sp>
+    </p:spTree>
+  </p:cSld>
+  <p:clrMapOvr>
+    <a:masterClrMapping/>
+  </p:clrMapOvr>
+</p:notes>
+</file>
+
+<file path=ppt/notesSlides/notesSlide15.xml><?xml version="1.0" encoding="utf-8"?>
+<p:notes xmlns:a="http://schemas.openxmlformats.org/drawingml/2006/main" xmlns:r="http://schemas.openxmlformats.org/officeDocument/2006/relationships" xmlns:p="http://schemas.openxmlformats.org/presentationml/2006/main" showMasterSp="0" showMasterPhAnim="0">
+  <p:cSld>
+    <p:spTree>
+      <p:nvGrpSpPr>
+        <p:cNvPr id="1" name="Shape 116"/>
+        <p:cNvGrpSpPr/>
+        <p:nvPr/>
+      </p:nvGrpSpPr>
+      <p:grpSpPr>
+        <a:xfrm>
+          <a:off x="0" y="0"/>
+          <a:ext cx="0" cy="0"/>
+          <a:chOff x="0" y="0"/>
+          <a:chExt cx="0" cy="0"/>
+        </a:xfrm>
+      </p:grpSpPr>
+      <p:sp>
+        <p:nvSpPr>
+          <p:cNvPr id="117" name="Google Shape;117;g12db958e382_0_90:notes"/>
+          <p:cNvSpPr>
+            <a:spLocks noGrp="1" noRot="1" noChangeAspect="1"/>
+          </p:cNvSpPr>
+          <p:nvPr>
+            <p:ph type="sldImg" idx="2"/>
+          </p:nvPr>
+        </p:nvSpPr>
+        <p:spPr>
+          <a:xfrm>
+            <a:off x="381000" y="685800"/>
+            <a:ext cx="6096000" cy="3429000"/>
+          </a:xfrm>
+          <a:custGeom>
+            <a:avLst/>
+            <a:gdLst/>
+            <a:ahLst/>
+            <a:cxnLst/>
+            <a:rect l="l" t="t" r="r" b="b"/>
+            <a:pathLst>
+              <a:path w="120000" h="120000" extrusionOk="0">
+                <a:moveTo>
+                  <a:pt x="0" y="0"/>
+                </a:moveTo>
+                <a:lnTo>
+                  <a:pt x="120000" y="0"/>
+                </a:lnTo>
+                <a:lnTo>
+                  <a:pt x="120000" y="120000"/>
+                </a:lnTo>
+                <a:lnTo>
+                  <a:pt x="0" y="120000"/>
+                </a:lnTo>
+                <a:close/>
+              </a:path>
+            </a:pathLst>
+          </a:custGeom>
+        </p:spPr>
+      </p:sp>
+      <p:sp>
+        <p:nvSpPr>
+          <p:cNvPr id="118" name="Google Shape;118;g12db958e382_0_90:notes"/>
+          <p:cNvSpPr txBox="1">
+            <a:spLocks noGrp="1"/>
+          </p:cNvSpPr>
+          <p:nvPr>
+            <p:ph type="body" idx="1"/>
+          </p:nvPr>
+        </p:nvSpPr>
+        <p:spPr>
+          <a:xfrm>
+            <a:off x="685800" y="4343400"/>
+            <a:ext cx="5486400" cy="4114800"/>
+          </a:xfrm>
+          <a:prstGeom prst="rect">
+            <a:avLst/>
+          </a:prstGeom>
+        </p:spPr>
+        <p:txBody>
+          <a:bodyPr spcFirstLastPara="1" wrap="square" lIns="91425" tIns="91425" rIns="91425" bIns="91425" anchor="t" anchorCtr="0">
+            <a:noAutofit/>
+          </a:bodyPr>
+          <a:lstStyle/>
+          <a:p>
+            <a:pPr marL="0" lvl="0" indent="0" algn="l" rtl="0">
+              <a:spcBef>
+                <a:spcPts val="0"/>
+              </a:spcBef>
+              <a:spcAft>
+                <a:spcPts val="0"/>
+              </a:spcAft>
+              <a:buNone/>
+            </a:pPr>
+            <a:endParaRPr/>
+          </a:p>
+        </p:txBody>
+      </p:sp>
+    </p:spTree>
+  </p:cSld>
+  <p:clrMapOvr>
+    <a:masterClrMapping/>
+  </p:clrMapOvr>
+</p:notes>
+</file>
+
+<file path=ppt/notesSlides/notesSlide16.xml><?xml version="1.0" encoding="utf-8"?>
+<p:notes xmlns:a="http://schemas.openxmlformats.org/drawingml/2006/main" xmlns:r="http://schemas.openxmlformats.org/officeDocument/2006/relationships" xmlns:p="http://schemas.openxmlformats.org/presentationml/2006/main" showMasterSp="0" showMasterPhAnim="0">
+  <p:cSld>
+    <p:spTree>
+      <p:nvGrpSpPr>
+        <p:cNvPr id="1" name="Shape 123"/>
+        <p:cNvGrpSpPr/>
+        <p:nvPr/>
+      </p:nvGrpSpPr>
+      <p:grpSpPr>
+        <a:xfrm>
+          <a:off x="0" y="0"/>
+          <a:ext cx="0" cy="0"/>
+          <a:chOff x="0" y="0"/>
+          <a:chExt cx="0" cy="0"/>
+        </a:xfrm>
+      </p:grpSpPr>
+      <p:sp>
+        <p:nvSpPr>
+          <p:cNvPr id="124" name="Google Shape;124;g12db958e382_0_95:notes"/>
+          <p:cNvSpPr>
+            <a:spLocks noGrp="1" noRot="1" noChangeAspect="1"/>
+          </p:cNvSpPr>
+          <p:nvPr>
+            <p:ph type="sldImg" idx="2"/>
+          </p:nvPr>
+        </p:nvSpPr>
+        <p:spPr>
+          <a:xfrm>
+            <a:off x="381000" y="685800"/>
+            <a:ext cx="6096000" cy="3429000"/>
+          </a:xfrm>
+          <a:custGeom>
+            <a:avLst/>
+            <a:gdLst/>
+            <a:ahLst/>
+            <a:cxnLst/>
+            <a:rect l="l" t="t" r="r" b="b"/>
+            <a:pathLst>
+              <a:path w="120000" h="120000" extrusionOk="0">
+                <a:moveTo>
+                  <a:pt x="0" y="0"/>
+                </a:moveTo>
+                <a:lnTo>
+                  <a:pt x="120000" y="0"/>
+                </a:lnTo>
+                <a:lnTo>
+                  <a:pt x="120000" y="120000"/>
+                </a:lnTo>
+                <a:lnTo>
+                  <a:pt x="0" y="120000"/>
+                </a:lnTo>
+                <a:close/>
+              </a:path>
+            </a:pathLst>
+          </a:custGeom>
+        </p:spPr>
+      </p:sp>
+      <p:sp>
+        <p:nvSpPr>
+          <p:cNvPr id="125" name="Google Shape;125;g12db958e382_0_95:notes"/>
           <p:cNvSpPr txBox="1">
             <a:spLocks noGrp="1"/>
           </p:cNvSpPr>
@@ -2194,214 +2194,6 @@
   <p:cSld>
     <p:spTree>
       <p:nvGrpSpPr>
-        <p:cNvPr id="1" name="Shape 116"/>
-        <p:cNvGrpSpPr/>
-        <p:nvPr/>
-      </p:nvGrpSpPr>
-      <p:grpSpPr>
-        <a:xfrm>
-          <a:off x="0" y="0"/>
-          <a:ext cx="0" cy="0"/>
-          <a:chOff x="0" y="0"/>
-          <a:chExt cx="0" cy="0"/>
-        </a:xfrm>
-      </p:grpSpPr>
-      <p:sp>
-        <p:nvSpPr>
-          <p:cNvPr id="117" name="Google Shape;117;g12db958e382_0_90:notes"/>
-          <p:cNvSpPr>
-            <a:spLocks noGrp="1" noRot="1" noChangeAspect="1"/>
-          </p:cNvSpPr>
-          <p:nvPr>
-            <p:ph type="sldImg" idx="2"/>
-          </p:nvPr>
-        </p:nvSpPr>
-        <p:spPr>
-          <a:xfrm>
-            <a:off x="381000" y="685800"/>
-            <a:ext cx="6096000" cy="3429000"/>
-          </a:xfrm>
-          <a:custGeom>
-            <a:avLst/>
-            <a:gdLst/>
-            <a:ahLst/>
-            <a:cxnLst/>
-            <a:rect l="l" t="t" r="r" b="b"/>
-            <a:pathLst>
-              <a:path w="120000" h="120000" extrusionOk="0">
-                <a:moveTo>
-                  <a:pt x="0" y="0"/>
-                </a:moveTo>
-                <a:lnTo>
-                  <a:pt x="120000" y="0"/>
-                </a:lnTo>
-                <a:lnTo>
-                  <a:pt x="120000" y="120000"/>
-                </a:lnTo>
-                <a:lnTo>
-                  <a:pt x="0" y="120000"/>
-                </a:lnTo>
-                <a:close/>
-              </a:path>
-            </a:pathLst>
-          </a:custGeom>
-        </p:spPr>
-      </p:sp>
-      <p:sp>
-        <p:nvSpPr>
-          <p:cNvPr id="118" name="Google Shape;118;g12db958e382_0_90:notes"/>
-          <p:cNvSpPr txBox="1">
-            <a:spLocks noGrp="1"/>
-          </p:cNvSpPr>
-          <p:nvPr>
-            <p:ph type="body" idx="1"/>
-          </p:nvPr>
-        </p:nvSpPr>
-        <p:spPr>
-          <a:xfrm>
-            <a:off x="685800" y="4343400"/>
-            <a:ext cx="5486400" cy="4114800"/>
-          </a:xfrm>
-          <a:prstGeom prst="rect">
-            <a:avLst/>
-          </a:prstGeom>
-        </p:spPr>
-        <p:txBody>
-          <a:bodyPr spcFirstLastPara="1" wrap="square" lIns="91425" tIns="91425" rIns="91425" bIns="91425" anchor="t" anchorCtr="0">
-            <a:noAutofit/>
-          </a:bodyPr>
-          <a:lstStyle/>
-          <a:p>
-            <a:pPr marL="0" lvl="0" indent="0" algn="l" rtl="0">
-              <a:spcBef>
-                <a:spcPts val="0"/>
-              </a:spcBef>
-              <a:spcAft>
-                <a:spcPts val="0"/>
-              </a:spcAft>
-              <a:buNone/>
-            </a:pPr>
-            <a:endParaRPr/>
-          </a:p>
-        </p:txBody>
-      </p:sp>
-    </p:spTree>
-  </p:cSld>
-  <p:clrMapOvr>
-    <a:masterClrMapping/>
-  </p:clrMapOvr>
-</p:notes>
-</file>
-
-<file path=ppt/notesSlides/notesSlide8.xml><?xml version="1.0" encoding="utf-8"?>
-<p:notes xmlns:a="http://schemas.openxmlformats.org/drawingml/2006/main" xmlns:r="http://schemas.openxmlformats.org/officeDocument/2006/relationships" xmlns:p="http://schemas.openxmlformats.org/presentationml/2006/main" showMasterSp="0" showMasterPhAnim="0">
-  <p:cSld>
-    <p:spTree>
-      <p:nvGrpSpPr>
-        <p:cNvPr id="1" name="Shape 123"/>
-        <p:cNvGrpSpPr/>
-        <p:nvPr/>
-      </p:nvGrpSpPr>
-      <p:grpSpPr>
-        <a:xfrm>
-          <a:off x="0" y="0"/>
-          <a:ext cx="0" cy="0"/>
-          <a:chOff x="0" y="0"/>
-          <a:chExt cx="0" cy="0"/>
-        </a:xfrm>
-      </p:grpSpPr>
-      <p:sp>
-        <p:nvSpPr>
-          <p:cNvPr id="124" name="Google Shape;124;g12db958e382_0_95:notes"/>
-          <p:cNvSpPr>
-            <a:spLocks noGrp="1" noRot="1" noChangeAspect="1"/>
-          </p:cNvSpPr>
-          <p:nvPr>
-            <p:ph type="sldImg" idx="2"/>
-          </p:nvPr>
-        </p:nvSpPr>
-        <p:spPr>
-          <a:xfrm>
-            <a:off x="381000" y="685800"/>
-            <a:ext cx="6096000" cy="3429000"/>
-          </a:xfrm>
-          <a:custGeom>
-            <a:avLst/>
-            <a:gdLst/>
-            <a:ahLst/>
-            <a:cxnLst/>
-            <a:rect l="l" t="t" r="r" b="b"/>
-            <a:pathLst>
-              <a:path w="120000" h="120000" extrusionOk="0">
-                <a:moveTo>
-                  <a:pt x="0" y="0"/>
-                </a:moveTo>
-                <a:lnTo>
-                  <a:pt x="120000" y="0"/>
-                </a:lnTo>
-                <a:lnTo>
-                  <a:pt x="120000" y="120000"/>
-                </a:lnTo>
-                <a:lnTo>
-                  <a:pt x="0" y="120000"/>
-                </a:lnTo>
-                <a:close/>
-              </a:path>
-            </a:pathLst>
-          </a:custGeom>
-        </p:spPr>
-      </p:sp>
-      <p:sp>
-        <p:nvSpPr>
-          <p:cNvPr id="125" name="Google Shape;125;g12db958e382_0_95:notes"/>
-          <p:cNvSpPr txBox="1">
-            <a:spLocks noGrp="1"/>
-          </p:cNvSpPr>
-          <p:nvPr>
-            <p:ph type="body" idx="1"/>
-          </p:nvPr>
-        </p:nvSpPr>
-        <p:spPr>
-          <a:xfrm>
-            <a:off x="685800" y="4343400"/>
-            <a:ext cx="5486400" cy="4114800"/>
-          </a:xfrm>
-          <a:prstGeom prst="rect">
-            <a:avLst/>
-          </a:prstGeom>
-        </p:spPr>
-        <p:txBody>
-          <a:bodyPr spcFirstLastPara="1" wrap="square" lIns="91425" tIns="91425" rIns="91425" bIns="91425" anchor="t" anchorCtr="0">
-            <a:noAutofit/>
-          </a:bodyPr>
-          <a:lstStyle/>
-          <a:p>
-            <a:pPr marL="0" lvl="0" indent="0" algn="l" rtl="0">
-              <a:spcBef>
-                <a:spcPts val="0"/>
-              </a:spcBef>
-              <a:spcAft>
-                <a:spcPts val="0"/>
-              </a:spcAft>
-              <a:buNone/>
-            </a:pPr>
-            <a:endParaRPr/>
-          </a:p>
-        </p:txBody>
-      </p:sp>
-    </p:spTree>
-  </p:cSld>
-  <p:clrMapOvr>
-    <a:masterClrMapping/>
-  </p:clrMapOvr>
-</p:notes>
-</file>
-
-<file path=ppt/notesSlides/notesSlide9.xml><?xml version="1.0" encoding="utf-8"?>
-<p:notes xmlns:a="http://schemas.openxmlformats.org/drawingml/2006/main" xmlns:r="http://schemas.openxmlformats.org/officeDocument/2006/relationships" xmlns:p="http://schemas.openxmlformats.org/presentationml/2006/main" showMasterSp="0" showMasterPhAnim="0">
-  <p:cSld>
-    <p:spTree>
-      <p:nvGrpSpPr>
         <p:cNvPr id="1" name="Shape 129"/>
         <p:cNvGrpSpPr/>
         <p:nvPr/>
@@ -2523,6 +2315,214 @@
               <a:rPr lang="en-GB"/>
               <a:t>Test with mocs are done on different level</a:t>
             </a:r>
+            <a:endParaRPr/>
+          </a:p>
+        </p:txBody>
+      </p:sp>
+    </p:spTree>
+  </p:cSld>
+  <p:clrMapOvr>
+    <a:masterClrMapping/>
+  </p:clrMapOvr>
+</p:notes>
+</file>
+
+<file path=ppt/notesSlides/notesSlide8.xml><?xml version="1.0" encoding="utf-8"?>
+<p:notes xmlns:a="http://schemas.openxmlformats.org/drawingml/2006/main" xmlns:r="http://schemas.openxmlformats.org/officeDocument/2006/relationships" xmlns:p="http://schemas.openxmlformats.org/presentationml/2006/main" showMasterSp="0" showMasterPhAnim="0">
+  <p:cSld>
+    <p:spTree>
+      <p:nvGrpSpPr>
+        <p:cNvPr id="1" name="Shape 136"/>
+        <p:cNvGrpSpPr/>
+        <p:nvPr/>
+      </p:nvGrpSpPr>
+      <p:grpSpPr>
+        <a:xfrm>
+          <a:off x="0" y="0"/>
+          <a:ext cx="0" cy="0"/>
+          <a:chOff x="0" y="0"/>
+          <a:chExt cx="0" cy="0"/>
+        </a:xfrm>
+      </p:grpSpPr>
+      <p:sp>
+        <p:nvSpPr>
+          <p:cNvPr id="137" name="Google Shape;137;g12db958e382_0_116:notes"/>
+          <p:cNvSpPr>
+            <a:spLocks noGrp="1" noRot="1" noChangeAspect="1"/>
+          </p:cNvSpPr>
+          <p:nvPr>
+            <p:ph type="sldImg" idx="2"/>
+          </p:nvPr>
+        </p:nvSpPr>
+        <p:spPr>
+          <a:xfrm>
+            <a:off x="381300" y="685800"/>
+            <a:ext cx="6096000" cy="3429000"/>
+          </a:xfrm>
+          <a:custGeom>
+            <a:avLst/>
+            <a:gdLst/>
+            <a:ahLst/>
+            <a:cxnLst/>
+            <a:rect l="l" t="t" r="r" b="b"/>
+            <a:pathLst>
+              <a:path w="120000" h="120000" extrusionOk="0">
+                <a:moveTo>
+                  <a:pt x="0" y="0"/>
+                </a:moveTo>
+                <a:lnTo>
+                  <a:pt x="120000" y="0"/>
+                </a:lnTo>
+                <a:lnTo>
+                  <a:pt x="120000" y="120000"/>
+                </a:lnTo>
+                <a:lnTo>
+                  <a:pt x="0" y="120000"/>
+                </a:lnTo>
+                <a:close/>
+              </a:path>
+            </a:pathLst>
+          </a:custGeom>
+        </p:spPr>
+      </p:sp>
+      <p:sp>
+        <p:nvSpPr>
+          <p:cNvPr id="138" name="Google Shape;138;g12db958e382_0_116:notes"/>
+          <p:cNvSpPr txBox="1">
+            <a:spLocks noGrp="1"/>
+          </p:cNvSpPr>
+          <p:nvPr>
+            <p:ph type="body" idx="1"/>
+          </p:nvPr>
+        </p:nvSpPr>
+        <p:spPr>
+          <a:xfrm>
+            <a:off x="685800" y="4343400"/>
+            <a:ext cx="5486400" cy="4114800"/>
+          </a:xfrm>
+          <a:prstGeom prst="rect">
+            <a:avLst/>
+          </a:prstGeom>
+        </p:spPr>
+        <p:txBody>
+          <a:bodyPr spcFirstLastPara="1" wrap="square" lIns="91425" tIns="91425" rIns="91425" bIns="91425" anchor="t" anchorCtr="0">
+            <a:noAutofit/>
+          </a:bodyPr>
+          <a:lstStyle/>
+          <a:p>
+            <a:pPr marL="0" lvl="0" indent="0" algn="l" rtl="0">
+              <a:spcBef>
+                <a:spcPts val="0"/>
+              </a:spcBef>
+              <a:spcAft>
+                <a:spcPts val="0"/>
+              </a:spcAft>
+              <a:buNone/>
+            </a:pPr>
+            <a:endParaRPr/>
+          </a:p>
+        </p:txBody>
+      </p:sp>
+    </p:spTree>
+  </p:cSld>
+  <p:clrMapOvr>
+    <a:masterClrMapping/>
+  </p:clrMapOvr>
+</p:notes>
+</file>
+
+<file path=ppt/notesSlides/notesSlide9.xml><?xml version="1.0" encoding="utf-8"?>
+<p:notes xmlns:a="http://schemas.openxmlformats.org/drawingml/2006/main" xmlns:r="http://schemas.openxmlformats.org/officeDocument/2006/relationships" xmlns:p="http://schemas.openxmlformats.org/presentationml/2006/main" showMasterSp="0" showMasterPhAnim="0">
+  <p:cSld>
+    <p:spTree>
+      <p:nvGrpSpPr>
+        <p:cNvPr id="1" name="Shape 142"/>
+        <p:cNvGrpSpPr/>
+        <p:nvPr/>
+      </p:nvGrpSpPr>
+      <p:grpSpPr>
+        <a:xfrm>
+          <a:off x="0" y="0"/>
+          <a:ext cx="0" cy="0"/>
+          <a:chOff x="0" y="0"/>
+          <a:chExt cx="0" cy="0"/>
+        </a:xfrm>
+      </p:grpSpPr>
+      <p:sp>
+        <p:nvSpPr>
+          <p:cNvPr id="143" name="Google Shape;143;g12e8bae26a4_1_0:notes"/>
+          <p:cNvSpPr>
+            <a:spLocks noGrp="1" noRot="1" noChangeAspect="1"/>
+          </p:cNvSpPr>
+          <p:nvPr>
+            <p:ph type="sldImg" idx="2"/>
+          </p:nvPr>
+        </p:nvSpPr>
+        <p:spPr>
+          <a:xfrm>
+            <a:off x="381300" y="685800"/>
+            <a:ext cx="6096000" cy="3429000"/>
+          </a:xfrm>
+          <a:custGeom>
+            <a:avLst/>
+            <a:gdLst/>
+            <a:ahLst/>
+            <a:cxnLst/>
+            <a:rect l="l" t="t" r="r" b="b"/>
+            <a:pathLst>
+              <a:path w="120000" h="120000" extrusionOk="0">
+                <a:moveTo>
+                  <a:pt x="0" y="0"/>
+                </a:moveTo>
+                <a:lnTo>
+                  <a:pt x="120000" y="0"/>
+                </a:lnTo>
+                <a:lnTo>
+                  <a:pt x="120000" y="120000"/>
+                </a:lnTo>
+                <a:lnTo>
+                  <a:pt x="0" y="120000"/>
+                </a:lnTo>
+                <a:close/>
+              </a:path>
+            </a:pathLst>
+          </a:custGeom>
+        </p:spPr>
+      </p:sp>
+      <p:sp>
+        <p:nvSpPr>
+          <p:cNvPr id="144" name="Google Shape;144;g12e8bae26a4_1_0:notes"/>
+          <p:cNvSpPr txBox="1">
+            <a:spLocks noGrp="1"/>
+          </p:cNvSpPr>
+          <p:nvPr>
+            <p:ph type="body" idx="1"/>
+          </p:nvPr>
+        </p:nvSpPr>
+        <p:spPr>
+          <a:xfrm>
+            <a:off x="685800" y="4343400"/>
+            <a:ext cx="5486400" cy="4114800"/>
+          </a:xfrm>
+          <a:prstGeom prst="rect">
+            <a:avLst/>
+          </a:prstGeom>
+        </p:spPr>
+        <p:txBody>
+          <a:bodyPr spcFirstLastPara="1" wrap="square" lIns="91425" tIns="91425" rIns="91425" bIns="91425" anchor="t" anchorCtr="0">
+            <a:noAutofit/>
+          </a:bodyPr>
+          <a:lstStyle/>
+          <a:p>
+            <a:pPr marL="0" lvl="0" indent="0" algn="l" rtl="0">
+              <a:spcBef>
+                <a:spcPts val="0"/>
+              </a:spcBef>
+              <a:spcAft>
+                <a:spcPts val="0"/>
+              </a:spcAft>
+              <a:buNone/>
+            </a:pPr>
             <a:endParaRPr/>
           </a:p>
         </p:txBody>
@@ -9123,171 +9123,6 @@
   <p:cSld>
     <p:spTree>
       <p:nvGrpSpPr>
-        <p:cNvPr id="1" name=""/>
-        <p:cNvGrpSpPr/>
-        <p:nvPr/>
-      </p:nvGrpSpPr>
-      <p:grpSpPr>
-        <a:xfrm>
-          <a:off x="0" y="0"/>
-          <a:ext cx="0" cy="0"/>
-          <a:chOff x="0" y="0"/>
-          <a:chExt cx="0" cy="0"/>
-        </a:xfrm>
-      </p:grpSpPr>
-      <p:pic>
-        <p:nvPicPr>
-          <p:cNvPr id="7" name="Picture 6">
-            <a:extLst>
-              <a:ext uri="{FF2B5EF4-FFF2-40B4-BE49-F238E27FC236}">
-                <a16:creationId xmlns:a16="http://schemas.microsoft.com/office/drawing/2014/main" id="{1087DDEE-0C2D-4EDB-8C54-BADB1EB86A49}"/>
-              </a:ext>
-            </a:extLst>
-          </p:cNvPr>
-          <p:cNvPicPr>
-            <a:picLocks noChangeAspect="1"/>
-          </p:cNvPicPr>
-          <p:nvPr/>
-        </p:nvPicPr>
-        <p:blipFill>
-          <a:blip r:embed="rId2"/>
-          <a:stretch>
-            <a:fillRect/>
-          </a:stretch>
-        </p:blipFill>
-        <p:spPr>
-          <a:xfrm>
-            <a:off x="661987" y="966787"/>
-            <a:ext cx="7820025" cy="3209925"/>
-          </a:xfrm>
-          <a:prstGeom prst="rect">
-            <a:avLst/>
-          </a:prstGeom>
-        </p:spPr>
-      </p:pic>
-    </p:spTree>
-    <p:extLst>
-      <p:ext uri="{BB962C8B-B14F-4D97-AF65-F5344CB8AC3E}">
-        <p14:creationId xmlns:p14="http://schemas.microsoft.com/office/powerpoint/2010/main" val="1629422973"/>
-      </p:ext>
-    </p:extLst>
-  </p:cSld>
-  <p:clrMapOvr>
-    <a:masterClrMapping/>
-  </p:clrMapOvr>
-</p:sld>
-</file>
-
-<file path=ppt/slides/slide11.xml><?xml version="1.0" encoding="utf-8"?>
-<p:sld xmlns:a="http://schemas.openxmlformats.org/drawingml/2006/main" xmlns:r="http://schemas.openxmlformats.org/officeDocument/2006/relationships" xmlns:p="http://schemas.openxmlformats.org/presentationml/2006/main">
-  <p:cSld>
-    <p:spTree>
-      <p:nvGrpSpPr>
-        <p:cNvPr id="1" name="Shape 139"/>
-        <p:cNvGrpSpPr/>
-        <p:nvPr/>
-      </p:nvGrpSpPr>
-      <p:grpSpPr>
-        <a:xfrm>
-          <a:off x="0" y="0"/>
-          <a:ext cx="0" cy="0"/>
-          <a:chOff x="0" y="0"/>
-          <a:chExt cx="0" cy="0"/>
-        </a:xfrm>
-      </p:grpSpPr>
-      <p:sp>
-        <p:nvSpPr>
-          <p:cNvPr id="140" name="Google Shape;140;p26"/>
-          <p:cNvSpPr txBox="1">
-            <a:spLocks noGrp="1"/>
-          </p:cNvSpPr>
-          <p:nvPr>
-            <p:ph type="ctrTitle"/>
-          </p:nvPr>
-        </p:nvSpPr>
-        <p:spPr>
-          <a:xfrm>
-            <a:off x="311708" y="744575"/>
-            <a:ext cx="8520600" cy="2052600"/>
-          </a:xfrm>
-          <a:prstGeom prst="rect">
-            <a:avLst/>
-          </a:prstGeom>
-        </p:spPr>
-        <p:txBody>
-          <a:bodyPr spcFirstLastPara="1" wrap="square" lIns="91425" tIns="91425" rIns="91425" bIns="91425" anchor="b" anchorCtr="0">
-            <a:normAutofit/>
-          </a:bodyPr>
-          <a:lstStyle/>
-          <a:p>
-            <a:pPr marL="0" lvl="0" indent="0" algn="ctr" rtl="0">
-              <a:spcBef>
-                <a:spcPts val="0"/>
-              </a:spcBef>
-              <a:spcAft>
-                <a:spcPts val="0"/>
-              </a:spcAft>
-              <a:buNone/>
-            </a:pPr>
-            <a:r>
-              <a:rPr lang="en-GB"/>
-              <a:t>Logging</a:t>
-            </a:r>
-            <a:endParaRPr/>
-          </a:p>
-        </p:txBody>
-      </p:sp>
-      <p:sp>
-        <p:nvSpPr>
-          <p:cNvPr id="141" name="Google Shape;141;p26"/>
-          <p:cNvSpPr txBox="1">
-            <a:spLocks noGrp="1"/>
-          </p:cNvSpPr>
-          <p:nvPr>
-            <p:ph type="subTitle" idx="1"/>
-          </p:nvPr>
-        </p:nvSpPr>
-        <p:spPr>
-          <a:xfrm>
-            <a:off x="311700" y="2834125"/>
-            <a:ext cx="8520600" cy="792600"/>
-          </a:xfrm>
-          <a:prstGeom prst="rect">
-            <a:avLst/>
-          </a:prstGeom>
-        </p:spPr>
-        <p:txBody>
-          <a:bodyPr spcFirstLastPara="1" wrap="square" lIns="91425" tIns="91425" rIns="91425" bIns="91425" anchor="t" anchorCtr="0">
-            <a:normAutofit/>
-          </a:bodyPr>
-          <a:lstStyle/>
-          <a:p>
-            <a:pPr marL="0" lvl="0" indent="0" algn="ctr" rtl="0">
-              <a:spcBef>
-                <a:spcPts val="0"/>
-              </a:spcBef>
-              <a:spcAft>
-                <a:spcPts val="0"/>
-              </a:spcAft>
-              <a:buNone/>
-            </a:pPr>
-            <a:endParaRPr/>
-          </a:p>
-        </p:txBody>
-      </p:sp>
-    </p:spTree>
-  </p:cSld>
-  <p:clrMapOvr>
-    <a:masterClrMapping/>
-  </p:clrMapOvr>
-</p:sld>
-</file>
-
-<file path=ppt/slides/slide12.xml><?xml version="1.0" encoding="utf-8"?>
-<p:sld xmlns:a="http://schemas.openxmlformats.org/drawingml/2006/main" xmlns:r="http://schemas.openxmlformats.org/officeDocument/2006/relationships" xmlns:p="http://schemas.openxmlformats.org/presentationml/2006/main">
-  <p:cSld>
-    <p:spTree>
-      <p:nvGrpSpPr>
         <p:cNvPr id="1" name="Shape 145"/>
         <p:cNvGrpSpPr/>
         <p:nvPr/>
@@ -9388,7 +9223,7 @@
 </p:sld>
 </file>
 
-<file path=ppt/slides/slide13.xml><?xml version="1.0" encoding="utf-8"?>
+<file path=ppt/slides/slide11.xml><?xml version="1.0" encoding="utf-8"?>
 <p:sld xmlns:a="http://schemas.openxmlformats.org/drawingml/2006/main" xmlns:r="http://schemas.openxmlformats.org/officeDocument/2006/relationships" xmlns:p="http://schemas.openxmlformats.org/presentationml/2006/main">
   <p:cSld>
     <p:spTree>
@@ -9483,7 +9318,7 @@
 </p:sld>
 </file>
 
-<file path=ppt/slides/slide14.xml><?xml version="1.0" encoding="utf-8"?>
+<file path=ppt/slides/slide12.xml><?xml version="1.0" encoding="utf-8"?>
 <p:sld xmlns:a="http://schemas.openxmlformats.org/drawingml/2006/main" xmlns:r="http://schemas.openxmlformats.org/officeDocument/2006/relationships" xmlns:p="http://schemas.openxmlformats.org/presentationml/2006/main">
   <p:cSld>
     <p:spTree>
@@ -9588,7 +9423,7 @@
 </p:sld>
 </file>
 
-<file path=ppt/slides/slide15.xml><?xml version="1.0" encoding="utf-8"?>
+<file path=ppt/slides/slide13.xml><?xml version="1.0" encoding="utf-8"?>
 <p:sld xmlns:a="http://schemas.openxmlformats.org/drawingml/2006/main" xmlns:r="http://schemas.openxmlformats.org/officeDocument/2006/relationships" xmlns:p="http://schemas.openxmlformats.org/presentationml/2006/main">
   <p:cSld>
     <p:spTree>
@@ -11153,7 +10988,7 @@
 </p:sld>
 </file>
 
-<file path=ppt/slides/slide16.xml><?xml version="1.0" encoding="utf-8"?>
+<file path=ppt/slides/slide14.xml><?xml version="1.0" encoding="utf-8"?>
 <p:sld xmlns:a="http://schemas.openxmlformats.org/drawingml/2006/main" xmlns:r="http://schemas.openxmlformats.org/officeDocument/2006/relationships" xmlns:p="http://schemas.openxmlformats.org/presentationml/2006/main">
   <p:cSld>
     <p:spTree>
@@ -12495,7 +12330,7 @@
 </p:sld>
 </file>
 
-<file path=ppt/slides/slide17.xml><?xml version="1.0" encoding="utf-8"?>
+<file path=ppt/slides/slide15.xml><?xml version="1.0" encoding="utf-8"?>
 <p:sld xmlns:a="http://schemas.openxmlformats.org/drawingml/2006/main" xmlns:r="http://schemas.openxmlformats.org/officeDocument/2006/relationships" xmlns:p="http://schemas.openxmlformats.org/presentationml/2006/main">
   <p:cSld>
     <p:spTree>
@@ -14064,6 +13899,351 @@
           </a:graphicData>
         </a:graphic>
       </p:graphicFrame>
+    </p:spTree>
+  </p:cSld>
+  <p:clrMapOvr>
+    <a:masterClrMapping/>
+  </p:clrMapOvr>
+</p:sld>
+</file>
+
+<file path=ppt/slides/slide16.xml><?xml version="1.0" encoding="utf-8"?>
+<p:sld xmlns:a="http://schemas.openxmlformats.org/drawingml/2006/main" xmlns:r="http://schemas.openxmlformats.org/officeDocument/2006/relationships" xmlns:p="http://schemas.openxmlformats.org/presentationml/2006/main">
+  <p:cSld>
+    <p:spTree>
+      <p:nvGrpSpPr>
+        <p:cNvPr id="1" name="Shape 119"/>
+        <p:cNvGrpSpPr/>
+        <p:nvPr/>
+      </p:nvGrpSpPr>
+      <p:grpSpPr>
+        <a:xfrm>
+          <a:off x="0" y="0"/>
+          <a:ext cx="0" cy="0"/>
+          <a:chOff x="0" y="0"/>
+          <a:chExt cx="0" cy="0"/>
+        </a:xfrm>
+      </p:grpSpPr>
+      <p:sp>
+        <p:nvSpPr>
+          <p:cNvPr id="120" name="Google Shape;120;p23"/>
+          <p:cNvSpPr txBox="1">
+            <a:spLocks noGrp="1"/>
+          </p:cNvSpPr>
+          <p:nvPr>
+            <p:ph type="title"/>
+          </p:nvPr>
+        </p:nvSpPr>
+        <p:spPr>
+          <a:xfrm>
+            <a:off x="311700" y="445025"/>
+            <a:ext cx="8520600" cy="572700"/>
+          </a:xfrm>
+          <a:prstGeom prst="rect">
+            <a:avLst/>
+          </a:prstGeom>
+        </p:spPr>
+        <p:txBody>
+          <a:bodyPr spcFirstLastPara="1" wrap="square" lIns="91425" tIns="91425" rIns="91425" bIns="91425" anchor="t" anchorCtr="0">
+            <a:noAutofit/>
+          </a:bodyPr>
+          <a:lstStyle/>
+          <a:p>
+            <a:pPr marL="0" lvl="0" indent="0" algn="l" rtl="0">
+              <a:spcBef>
+                <a:spcPts val="0"/>
+              </a:spcBef>
+              <a:spcAft>
+                <a:spcPts val="0"/>
+              </a:spcAft>
+              <a:buSzPts val="990"/>
+              <a:buNone/>
+            </a:pPr>
+            <a:r>
+              <a:rPr lang="en-GB" sz="3020"/>
+              <a:t>We Choose Cypress</a:t>
+            </a:r>
+            <a:endParaRPr sz="3020"/>
+          </a:p>
+        </p:txBody>
+      </p:sp>
+      <p:sp>
+        <p:nvSpPr>
+          <p:cNvPr id="121" name="Google Shape;121;p23"/>
+          <p:cNvSpPr txBox="1">
+            <a:spLocks noGrp="1"/>
+          </p:cNvSpPr>
+          <p:nvPr>
+            <p:ph type="body" idx="1"/>
+          </p:nvPr>
+        </p:nvSpPr>
+        <p:spPr>
+          <a:xfrm>
+            <a:off x="311700" y="1152475"/>
+            <a:ext cx="3999900" cy="3416400"/>
+          </a:xfrm>
+          <a:prstGeom prst="rect">
+            <a:avLst/>
+          </a:prstGeom>
+        </p:spPr>
+        <p:txBody>
+          <a:bodyPr spcFirstLastPara="1" wrap="square" lIns="91425" tIns="91425" rIns="91425" bIns="91425" anchor="t" anchorCtr="0">
+            <a:normAutofit/>
+          </a:bodyPr>
+          <a:lstStyle/>
+          <a:p>
+            <a:pPr marL="457200" lvl="0" indent="-355600" algn="l" rtl="0">
+              <a:lnSpc>
+                <a:spcPct val="150000"/>
+              </a:lnSpc>
+              <a:spcBef>
+                <a:spcPts val="0"/>
+              </a:spcBef>
+              <a:spcAft>
+                <a:spcPts val="0"/>
+              </a:spcAft>
+              <a:buSzPts val="2000"/>
+              <a:buChar char="●"/>
+            </a:pPr>
+            <a:r>
+              <a:rPr lang="en-GB" sz="2000"/>
+              <a:t>Only Novice level automation experience on team</a:t>
+            </a:r>
+            <a:endParaRPr sz="2000"/>
+          </a:p>
+          <a:p>
+            <a:pPr marL="457200" lvl="0" indent="-355600" algn="l" rtl="0">
+              <a:lnSpc>
+                <a:spcPct val="150000"/>
+              </a:lnSpc>
+              <a:spcBef>
+                <a:spcPts val="0"/>
+              </a:spcBef>
+              <a:spcAft>
+                <a:spcPts val="0"/>
+              </a:spcAft>
+              <a:buSzPts val="2000"/>
+              <a:buChar char="●"/>
+            </a:pPr>
+            <a:r>
+              <a:rPr lang="en-GB" sz="2000"/>
+              <a:t>Was already part of company tech stack</a:t>
+            </a:r>
+            <a:endParaRPr sz="2000"/>
+          </a:p>
+          <a:p>
+            <a:pPr marL="457200" lvl="0" indent="-355600" algn="l" rtl="0">
+              <a:lnSpc>
+                <a:spcPct val="150000"/>
+              </a:lnSpc>
+              <a:spcBef>
+                <a:spcPts val="0"/>
+              </a:spcBef>
+              <a:spcAft>
+                <a:spcPts val="0"/>
+              </a:spcAft>
+              <a:buSzPts val="2000"/>
+              <a:buChar char="●"/>
+            </a:pPr>
+            <a:r>
+              <a:rPr lang="en-GB" sz="2000"/>
+              <a:t>PoC showed there shouldn't be any roadblock</a:t>
+            </a:r>
+            <a:endParaRPr sz="2000"/>
+          </a:p>
+        </p:txBody>
+      </p:sp>
+      <p:sp>
+        <p:nvSpPr>
+          <p:cNvPr id="122" name="Google Shape;122;p23"/>
+          <p:cNvSpPr txBox="1">
+            <a:spLocks noGrp="1"/>
+          </p:cNvSpPr>
+          <p:nvPr>
+            <p:ph type="body" idx="2"/>
+          </p:nvPr>
+        </p:nvSpPr>
+        <p:spPr>
+          <a:xfrm>
+            <a:off x="4832400" y="1152475"/>
+            <a:ext cx="3999900" cy="3416400"/>
+          </a:xfrm>
+          <a:prstGeom prst="rect">
+            <a:avLst/>
+          </a:prstGeom>
+        </p:spPr>
+        <p:txBody>
+          <a:bodyPr spcFirstLastPara="1" wrap="square" lIns="91425" tIns="91425" rIns="91425" bIns="91425" anchor="t" anchorCtr="0">
+            <a:normAutofit/>
+          </a:bodyPr>
+          <a:lstStyle/>
+          <a:p>
+            <a:pPr marL="457200" marR="0" lvl="0" indent="-355600" algn="l" rtl="0">
+              <a:lnSpc>
+                <a:spcPct val="200000"/>
+              </a:lnSpc>
+              <a:spcBef>
+                <a:spcPts val="0"/>
+              </a:spcBef>
+              <a:spcAft>
+                <a:spcPts val="0"/>
+              </a:spcAft>
+              <a:buSzPts val="2000"/>
+              <a:buChar char="●"/>
+            </a:pPr>
+            <a:r>
+              <a:rPr lang="en-GB" sz="2000"/>
+              <a:t>Great Documentation</a:t>
+            </a:r>
+            <a:endParaRPr sz="2000"/>
+          </a:p>
+          <a:p>
+            <a:pPr marL="457200" marR="0" lvl="0" indent="-355600" algn="l" rtl="0">
+              <a:lnSpc>
+                <a:spcPct val="200000"/>
+              </a:lnSpc>
+              <a:spcBef>
+                <a:spcPts val="0"/>
+              </a:spcBef>
+              <a:spcAft>
+                <a:spcPts val="0"/>
+              </a:spcAft>
+              <a:buSzPts val="2000"/>
+              <a:buChar char="●"/>
+            </a:pPr>
+            <a:r>
+              <a:rPr lang="en-GB" sz="2000"/>
+              <a:t>Low Entry Level</a:t>
+            </a:r>
+            <a:endParaRPr sz="2000"/>
+          </a:p>
+          <a:p>
+            <a:pPr marL="457200" marR="0" lvl="0" indent="-355600" algn="l" rtl="0">
+              <a:lnSpc>
+                <a:spcPct val="200000"/>
+              </a:lnSpc>
+              <a:spcBef>
+                <a:spcPts val="0"/>
+              </a:spcBef>
+              <a:spcAft>
+                <a:spcPts val="0"/>
+              </a:spcAft>
+              <a:buSzPts val="2000"/>
+              <a:buChar char="●"/>
+            </a:pPr>
+            <a:r>
+              <a:rPr lang="en-GB" sz="2000"/>
+              <a:t>“Easy” Setup</a:t>
+            </a:r>
+            <a:endParaRPr sz="2000"/>
+          </a:p>
+        </p:txBody>
+      </p:sp>
+    </p:spTree>
+  </p:cSld>
+  <p:clrMapOvr>
+    <a:masterClrMapping/>
+  </p:clrMapOvr>
+</p:sld>
+</file>
+
+<file path=ppt/slides/slide17.xml><?xml version="1.0" encoding="utf-8"?>
+<p:sld xmlns:a="http://schemas.openxmlformats.org/drawingml/2006/main" xmlns:r="http://schemas.openxmlformats.org/officeDocument/2006/relationships" xmlns:p="http://schemas.openxmlformats.org/presentationml/2006/main">
+  <p:cSld>
+    <p:spTree>
+      <p:nvGrpSpPr>
+        <p:cNvPr id="1" name="Shape 126"/>
+        <p:cNvGrpSpPr/>
+        <p:nvPr/>
+      </p:nvGrpSpPr>
+      <p:grpSpPr>
+        <a:xfrm>
+          <a:off x="0" y="0"/>
+          <a:ext cx="0" cy="0"/>
+          <a:chOff x="0" y="0"/>
+          <a:chExt cx="0" cy="0"/>
+        </a:xfrm>
+      </p:grpSpPr>
+      <p:sp>
+        <p:nvSpPr>
+          <p:cNvPr id="127" name="Google Shape;127;p24"/>
+          <p:cNvSpPr txBox="1">
+            <a:spLocks noGrp="1"/>
+          </p:cNvSpPr>
+          <p:nvPr>
+            <p:ph type="ctrTitle"/>
+          </p:nvPr>
+        </p:nvSpPr>
+        <p:spPr>
+          <a:xfrm>
+            <a:off x="311708" y="744575"/>
+            <a:ext cx="8520600" cy="2052600"/>
+          </a:xfrm>
+          <a:prstGeom prst="rect">
+            <a:avLst/>
+          </a:prstGeom>
+        </p:spPr>
+        <p:txBody>
+          <a:bodyPr spcFirstLastPara="1" wrap="square" lIns="91425" tIns="91425" rIns="91425" bIns="91425" anchor="b" anchorCtr="0">
+            <a:normAutofit/>
+          </a:bodyPr>
+          <a:lstStyle/>
+          <a:p>
+            <a:pPr marL="0" lvl="0" indent="0" algn="ctr" rtl="0">
+              <a:spcBef>
+                <a:spcPts val="0"/>
+              </a:spcBef>
+              <a:spcAft>
+                <a:spcPts val="0"/>
+              </a:spcAft>
+              <a:buNone/>
+            </a:pPr>
+            <a:r>
+              <a:rPr lang="en-GB"/>
+              <a:t>That Was wrong Choice</a:t>
+            </a:r>
+            <a:endParaRPr/>
+          </a:p>
+        </p:txBody>
+      </p:sp>
+      <p:sp>
+        <p:nvSpPr>
+          <p:cNvPr id="128" name="Google Shape;128;p24"/>
+          <p:cNvSpPr txBox="1">
+            <a:spLocks noGrp="1"/>
+          </p:cNvSpPr>
+          <p:nvPr>
+            <p:ph type="subTitle" idx="1"/>
+          </p:nvPr>
+        </p:nvSpPr>
+        <p:spPr>
+          <a:xfrm>
+            <a:off x="311700" y="2834125"/>
+            <a:ext cx="8520600" cy="792600"/>
+          </a:xfrm>
+          <a:prstGeom prst="rect">
+            <a:avLst/>
+          </a:prstGeom>
+        </p:spPr>
+        <p:txBody>
+          <a:bodyPr spcFirstLastPara="1" wrap="square" lIns="91425" tIns="91425" rIns="91425" bIns="91425" anchor="t" anchorCtr="0">
+            <a:normAutofit/>
+          </a:bodyPr>
+          <a:lstStyle/>
+          <a:p>
+            <a:pPr marL="0" lvl="0" indent="0" algn="ctr" rtl="0">
+              <a:spcBef>
+                <a:spcPts val="0"/>
+              </a:spcBef>
+              <a:spcAft>
+                <a:spcPts val="0"/>
+              </a:spcAft>
+              <a:buNone/>
+            </a:pPr>
+            <a:endParaRPr/>
+          </a:p>
+        </p:txBody>
+      </p:sp>
     </p:spTree>
   </p:cSld>
   <p:clrMapOvr>
@@ -15217,351 +15397,6 @@
 </file>
 
 <file path=ppt/slides/slide7.xml><?xml version="1.0" encoding="utf-8"?>
-<p:sld xmlns:a="http://schemas.openxmlformats.org/drawingml/2006/main" xmlns:r="http://schemas.openxmlformats.org/officeDocument/2006/relationships" xmlns:p="http://schemas.openxmlformats.org/presentationml/2006/main" show="0">
-  <p:cSld>
-    <p:spTree>
-      <p:nvGrpSpPr>
-        <p:cNvPr id="1" name="Shape 119"/>
-        <p:cNvGrpSpPr/>
-        <p:nvPr/>
-      </p:nvGrpSpPr>
-      <p:grpSpPr>
-        <a:xfrm>
-          <a:off x="0" y="0"/>
-          <a:ext cx="0" cy="0"/>
-          <a:chOff x="0" y="0"/>
-          <a:chExt cx="0" cy="0"/>
-        </a:xfrm>
-      </p:grpSpPr>
-      <p:sp>
-        <p:nvSpPr>
-          <p:cNvPr id="120" name="Google Shape;120;p23"/>
-          <p:cNvSpPr txBox="1">
-            <a:spLocks noGrp="1"/>
-          </p:cNvSpPr>
-          <p:nvPr>
-            <p:ph type="title"/>
-          </p:nvPr>
-        </p:nvSpPr>
-        <p:spPr>
-          <a:xfrm>
-            <a:off x="311700" y="445025"/>
-            <a:ext cx="8520600" cy="572700"/>
-          </a:xfrm>
-          <a:prstGeom prst="rect">
-            <a:avLst/>
-          </a:prstGeom>
-        </p:spPr>
-        <p:txBody>
-          <a:bodyPr spcFirstLastPara="1" wrap="square" lIns="91425" tIns="91425" rIns="91425" bIns="91425" anchor="t" anchorCtr="0">
-            <a:noAutofit/>
-          </a:bodyPr>
-          <a:lstStyle/>
-          <a:p>
-            <a:pPr marL="0" lvl="0" indent="0" algn="l" rtl="0">
-              <a:spcBef>
-                <a:spcPts val="0"/>
-              </a:spcBef>
-              <a:spcAft>
-                <a:spcPts val="0"/>
-              </a:spcAft>
-              <a:buSzPts val="990"/>
-              <a:buNone/>
-            </a:pPr>
-            <a:r>
-              <a:rPr lang="en-GB" sz="3020"/>
-              <a:t>We Choose Cypress</a:t>
-            </a:r>
-            <a:endParaRPr sz="3020"/>
-          </a:p>
-        </p:txBody>
-      </p:sp>
-      <p:sp>
-        <p:nvSpPr>
-          <p:cNvPr id="121" name="Google Shape;121;p23"/>
-          <p:cNvSpPr txBox="1">
-            <a:spLocks noGrp="1"/>
-          </p:cNvSpPr>
-          <p:nvPr>
-            <p:ph type="body" idx="1"/>
-          </p:nvPr>
-        </p:nvSpPr>
-        <p:spPr>
-          <a:xfrm>
-            <a:off x="311700" y="1152475"/>
-            <a:ext cx="3999900" cy="3416400"/>
-          </a:xfrm>
-          <a:prstGeom prst="rect">
-            <a:avLst/>
-          </a:prstGeom>
-        </p:spPr>
-        <p:txBody>
-          <a:bodyPr spcFirstLastPara="1" wrap="square" lIns="91425" tIns="91425" rIns="91425" bIns="91425" anchor="t" anchorCtr="0">
-            <a:normAutofit/>
-          </a:bodyPr>
-          <a:lstStyle/>
-          <a:p>
-            <a:pPr marL="457200" lvl="0" indent="-355600" algn="l" rtl="0">
-              <a:lnSpc>
-                <a:spcPct val="150000"/>
-              </a:lnSpc>
-              <a:spcBef>
-                <a:spcPts val="0"/>
-              </a:spcBef>
-              <a:spcAft>
-                <a:spcPts val="0"/>
-              </a:spcAft>
-              <a:buSzPts val="2000"/>
-              <a:buChar char="●"/>
-            </a:pPr>
-            <a:r>
-              <a:rPr lang="en-GB" sz="2000"/>
-              <a:t>Only Novice level automation experience on team</a:t>
-            </a:r>
-            <a:endParaRPr sz="2000"/>
-          </a:p>
-          <a:p>
-            <a:pPr marL="457200" lvl="0" indent="-355600" algn="l" rtl="0">
-              <a:lnSpc>
-                <a:spcPct val="150000"/>
-              </a:lnSpc>
-              <a:spcBef>
-                <a:spcPts val="0"/>
-              </a:spcBef>
-              <a:spcAft>
-                <a:spcPts val="0"/>
-              </a:spcAft>
-              <a:buSzPts val="2000"/>
-              <a:buChar char="●"/>
-            </a:pPr>
-            <a:r>
-              <a:rPr lang="en-GB" sz="2000"/>
-              <a:t>Was already part of company tech stack</a:t>
-            </a:r>
-            <a:endParaRPr sz="2000"/>
-          </a:p>
-          <a:p>
-            <a:pPr marL="457200" lvl="0" indent="-355600" algn="l" rtl="0">
-              <a:lnSpc>
-                <a:spcPct val="150000"/>
-              </a:lnSpc>
-              <a:spcBef>
-                <a:spcPts val="0"/>
-              </a:spcBef>
-              <a:spcAft>
-                <a:spcPts val="0"/>
-              </a:spcAft>
-              <a:buSzPts val="2000"/>
-              <a:buChar char="●"/>
-            </a:pPr>
-            <a:r>
-              <a:rPr lang="en-GB" sz="2000"/>
-              <a:t>PoC showed there shouldn't be any roadblock</a:t>
-            </a:r>
-            <a:endParaRPr sz="2000"/>
-          </a:p>
-        </p:txBody>
-      </p:sp>
-      <p:sp>
-        <p:nvSpPr>
-          <p:cNvPr id="122" name="Google Shape;122;p23"/>
-          <p:cNvSpPr txBox="1">
-            <a:spLocks noGrp="1"/>
-          </p:cNvSpPr>
-          <p:nvPr>
-            <p:ph type="body" idx="2"/>
-          </p:nvPr>
-        </p:nvSpPr>
-        <p:spPr>
-          <a:xfrm>
-            <a:off x="4832400" y="1152475"/>
-            <a:ext cx="3999900" cy="3416400"/>
-          </a:xfrm>
-          <a:prstGeom prst="rect">
-            <a:avLst/>
-          </a:prstGeom>
-        </p:spPr>
-        <p:txBody>
-          <a:bodyPr spcFirstLastPara="1" wrap="square" lIns="91425" tIns="91425" rIns="91425" bIns="91425" anchor="t" anchorCtr="0">
-            <a:normAutofit/>
-          </a:bodyPr>
-          <a:lstStyle/>
-          <a:p>
-            <a:pPr marL="457200" marR="0" lvl="0" indent="-355600" algn="l" rtl="0">
-              <a:lnSpc>
-                <a:spcPct val="200000"/>
-              </a:lnSpc>
-              <a:spcBef>
-                <a:spcPts val="0"/>
-              </a:spcBef>
-              <a:spcAft>
-                <a:spcPts val="0"/>
-              </a:spcAft>
-              <a:buSzPts val="2000"/>
-              <a:buChar char="●"/>
-            </a:pPr>
-            <a:r>
-              <a:rPr lang="en-GB" sz="2000"/>
-              <a:t>Great Documentation</a:t>
-            </a:r>
-            <a:endParaRPr sz="2000"/>
-          </a:p>
-          <a:p>
-            <a:pPr marL="457200" marR="0" lvl="0" indent="-355600" algn="l" rtl="0">
-              <a:lnSpc>
-                <a:spcPct val="200000"/>
-              </a:lnSpc>
-              <a:spcBef>
-                <a:spcPts val="0"/>
-              </a:spcBef>
-              <a:spcAft>
-                <a:spcPts val="0"/>
-              </a:spcAft>
-              <a:buSzPts val="2000"/>
-              <a:buChar char="●"/>
-            </a:pPr>
-            <a:r>
-              <a:rPr lang="en-GB" sz="2000"/>
-              <a:t>Low Entry Level</a:t>
-            </a:r>
-            <a:endParaRPr sz="2000"/>
-          </a:p>
-          <a:p>
-            <a:pPr marL="457200" marR="0" lvl="0" indent="-355600" algn="l" rtl="0">
-              <a:lnSpc>
-                <a:spcPct val="200000"/>
-              </a:lnSpc>
-              <a:spcBef>
-                <a:spcPts val="0"/>
-              </a:spcBef>
-              <a:spcAft>
-                <a:spcPts val="0"/>
-              </a:spcAft>
-              <a:buSzPts val="2000"/>
-              <a:buChar char="●"/>
-            </a:pPr>
-            <a:r>
-              <a:rPr lang="en-GB" sz="2000"/>
-              <a:t>“Easy” Setup</a:t>
-            </a:r>
-            <a:endParaRPr sz="2000"/>
-          </a:p>
-        </p:txBody>
-      </p:sp>
-    </p:spTree>
-  </p:cSld>
-  <p:clrMapOvr>
-    <a:masterClrMapping/>
-  </p:clrMapOvr>
-</p:sld>
-</file>
-
-<file path=ppt/slides/slide8.xml><?xml version="1.0" encoding="utf-8"?>
-<p:sld xmlns:a="http://schemas.openxmlformats.org/drawingml/2006/main" xmlns:r="http://schemas.openxmlformats.org/officeDocument/2006/relationships" xmlns:p="http://schemas.openxmlformats.org/presentationml/2006/main" show="0">
-  <p:cSld>
-    <p:spTree>
-      <p:nvGrpSpPr>
-        <p:cNvPr id="1" name="Shape 126"/>
-        <p:cNvGrpSpPr/>
-        <p:nvPr/>
-      </p:nvGrpSpPr>
-      <p:grpSpPr>
-        <a:xfrm>
-          <a:off x="0" y="0"/>
-          <a:ext cx="0" cy="0"/>
-          <a:chOff x="0" y="0"/>
-          <a:chExt cx="0" cy="0"/>
-        </a:xfrm>
-      </p:grpSpPr>
-      <p:sp>
-        <p:nvSpPr>
-          <p:cNvPr id="127" name="Google Shape;127;p24"/>
-          <p:cNvSpPr txBox="1">
-            <a:spLocks noGrp="1"/>
-          </p:cNvSpPr>
-          <p:nvPr>
-            <p:ph type="ctrTitle"/>
-          </p:nvPr>
-        </p:nvSpPr>
-        <p:spPr>
-          <a:xfrm>
-            <a:off x="311708" y="744575"/>
-            <a:ext cx="8520600" cy="2052600"/>
-          </a:xfrm>
-          <a:prstGeom prst="rect">
-            <a:avLst/>
-          </a:prstGeom>
-        </p:spPr>
-        <p:txBody>
-          <a:bodyPr spcFirstLastPara="1" wrap="square" lIns="91425" tIns="91425" rIns="91425" bIns="91425" anchor="b" anchorCtr="0">
-            <a:normAutofit/>
-          </a:bodyPr>
-          <a:lstStyle/>
-          <a:p>
-            <a:pPr marL="0" lvl="0" indent="0" algn="ctr" rtl="0">
-              <a:spcBef>
-                <a:spcPts val="0"/>
-              </a:spcBef>
-              <a:spcAft>
-                <a:spcPts val="0"/>
-              </a:spcAft>
-              <a:buNone/>
-            </a:pPr>
-            <a:r>
-              <a:rPr lang="en-GB"/>
-              <a:t>That Was wrong Choice</a:t>
-            </a:r>
-            <a:endParaRPr/>
-          </a:p>
-        </p:txBody>
-      </p:sp>
-      <p:sp>
-        <p:nvSpPr>
-          <p:cNvPr id="128" name="Google Shape;128;p24"/>
-          <p:cNvSpPr txBox="1">
-            <a:spLocks noGrp="1"/>
-          </p:cNvSpPr>
-          <p:nvPr>
-            <p:ph type="subTitle" idx="1"/>
-          </p:nvPr>
-        </p:nvSpPr>
-        <p:spPr>
-          <a:xfrm>
-            <a:off x="311700" y="2834125"/>
-            <a:ext cx="8520600" cy="792600"/>
-          </a:xfrm>
-          <a:prstGeom prst="rect">
-            <a:avLst/>
-          </a:prstGeom>
-        </p:spPr>
-        <p:txBody>
-          <a:bodyPr spcFirstLastPara="1" wrap="square" lIns="91425" tIns="91425" rIns="91425" bIns="91425" anchor="t" anchorCtr="0">
-            <a:normAutofit/>
-          </a:bodyPr>
-          <a:lstStyle/>
-          <a:p>
-            <a:pPr marL="0" lvl="0" indent="0" algn="ctr" rtl="0">
-              <a:spcBef>
-                <a:spcPts val="0"/>
-              </a:spcBef>
-              <a:spcAft>
-                <a:spcPts val="0"/>
-              </a:spcAft>
-              <a:buNone/>
-            </a:pPr>
-            <a:endParaRPr/>
-          </a:p>
-        </p:txBody>
-      </p:sp>
-    </p:spTree>
-  </p:cSld>
-  <p:clrMapOvr>
-    <a:masterClrMapping/>
-  </p:clrMapOvr>
-</p:sld>
-</file>
-
-<file path=ppt/slides/slide9.xml><?xml version="1.0" encoding="utf-8"?>
 <p:sld xmlns:a="http://schemas.openxmlformats.org/drawingml/2006/main" xmlns:r="http://schemas.openxmlformats.org/officeDocument/2006/relationships" xmlns:p="http://schemas.openxmlformats.org/presentationml/2006/main">
   <p:cSld>
     <p:spTree>
@@ -15772,6 +15607,171 @@
           </a:ln>
         </p:spPr>
       </p:pic>
+    </p:spTree>
+  </p:cSld>
+  <p:clrMapOvr>
+    <a:masterClrMapping/>
+  </p:clrMapOvr>
+</p:sld>
+</file>
+
+<file path=ppt/slides/slide8.xml><?xml version="1.0" encoding="utf-8"?>
+<p:sld xmlns:a="http://schemas.openxmlformats.org/drawingml/2006/main" xmlns:r="http://schemas.openxmlformats.org/officeDocument/2006/relationships" xmlns:p="http://schemas.openxmlformats.org/presentationml/2006/main">
+  <p:cSld>
+    <p:spTree>
+      <p:nvGrpSpPr>
+        <p:cNvPr id="1" name=""/>
+        <p:cNvGrpSpPr/>
+        <p:nvPr/>
+      </p:nvGrpSpPr>
+      <p:grpSpPr>
+        <a:xfrm>
+          <a:off x="0" y="0"/>
+          <a:ext cx="0" cy="0"/>
+          <a:chOff x="0" y="0"/>
+          <a:chExt cx="0" cy="0"/>
+        </a:xfrm>
+      </p:grpSpPr>
+      <p:pic>
+        <p:nvPicPr>
+          <p:cNvPr id="7" name="Picture 6">
+            <a:extLst>
+              <a:ext uri="{FF2B5EF4-FFF2-40B4-BE49-F238E27FC236}">
+                <a16:creationId xmlns:a16="http://schemas.microsoft.com/office/drawing/2014/main" id="{1087DDEE-0C2D-4EDB-8C54-BADB1EB86A49}"/>
+              </a:ext>
+            </a:extLst>
+          </p:cNvPr>
+          <p:cNvPicPr>
+            <a:picLocks noChangeAspect="1"/>
+          </p:cNvPicPr>
+          <p:nvPr/>
+        </p:nvPicPr>
+        <p:blipFill>
+          <a:blip r:embed="rId2"/>
+          <a:stretch>
+            <a:fillRect/>
+          </a:stretch>
+        </p:blipFill>
+        <p:spPr>
+          <a:xfrm>
+            <a:off x="661987" y="966787"/>
+            <a:ext cx="7820025" cy="3209925"/>
+          </a:xfrm>
+          <a:prstGeom prst="rect">
+            <a:avLst/>
+          </a:prstGeom>
+        </p:spPr>
+      </p:pic>
+    </p:spTree>
+    <p:extLst>
+      <p:ext uri="{BB962C8B-B14F-4D97-AF65-F5344CB8AC3E}">
+        <p14:creationId xmlns:p14="http://schemas.microsoft.com/office/powerpoint/2010/main" val="1629422973"/>
+      </p:ext>
+    </p:extLst>
+  </p:cSld>
+  <p:clrMapOvr>
+    <a:masterClrMapping/>
+  </p:clrMapOvr>
+</p:sld>
+</file>
+
+<file path=ppt/slides/slide9.xml><?xml version="1.0" encoding="utf-8"?>
+<p:sld xmlns:a="http://schemas.openxmlformats.org/drawingml/2006/main" xmlns:r="http://schemas.openxmlformats.org/officeDocument/2006/relationships" xmlns:p="http://schemas.openxmlformats.org/presentationml/2006/main">
+  <p:cSld>
+    <p:spTree>
+      <p:nvGrpSpPr>
+        <p:cNvPr id="1" name="Shape 139"/>
+        <p:cNvGrpSpPr/>
+        <p:nvPr/>
+      </p:nvGrpSpPr>
+      <p:grpSpPr>
+        <a:xfrm>
+          <a:off x="0" y="0"/>
+          <a:ext cx="0" cy="0"/>
+          <a:chOff x="0" y="0"/>
+          <a:chExt cx="0" cy="0"/>
+        </a:xfrm>
+      </p:grpSpPr>
+      <p:sp>
+        <p:nvSpPr>
+          <p:cNvPr id="140" name="Google Shape;140;p26"/>
+          <p:cNvSpPr txBox="1">
+            <a:spLocks noGrp="1"/>
+          </p:cNvSpPr>
+          <p:nvPr>
+            <p:ph type="ctrTitle"/>
+          </p:nvPr>
+        </p:nvSpPr>
+        <p:spPr>
+          <a:xfrm>
+            <a:off x="311708" y="744575"/>
+            <a:ext cx="8520600" cy="2052600"/>
+          </a:xfrm>
+          <a:prstGeom prst="rect">
+            <a:avLst/>
+          </a:prstGeom>
+        </p:spPr>
+        <p:txBody>
+          <a:bodyPr spcFirstLastPara="1" wrap="square" lIns="91425" tIns="91425" rIns="91425" bIns="91425" anchor="b" anchorCtr="0">
+            <a:normAutofit/>
+          </a:bodyPr>
+          <a:lstStyle/>
+          <a:p>
+            <a:pPr marL="0" lvl="0" indent="0" algn="ctr" rtl="0">
+              <a:spcBef>
+                <a:spcPts val="0"/>
+              </a:spcBef>
+              <a:spcAft>
+                <a:spcPts val="0"/>
+              </a:spcAft>
+              <a:buNone/>
+            </a:pPr>
+            <a:r>
+              <a:rPr lang="en-GB"/>
+              <a:t>Logging</a:t>
+            </a:r>
+            <a:endParaRPr/>
+          </a:p>
+        </p:txBody>
+      </p:sp>
+      <p:sp>
+        <p:nvSpPr>
+          <p:cNvPr id="141" name="Google Shape;141;p26"/>
+          <p:cNvSpPr txBox="1">
+            <a:spLocks noGrp="1"/>
+          </p:cNvSpPr>
+          <p:nvPr>
+            <p:ph type="subTitle" idx="1"/>
+          </p:nvPr>
+        </p:nvSpPr>
+        <p:spPr>
+          <a:xfrm>
+            <a:off x="311700" y="2834125"/>
+            <a:ext cx="8520600" cy="792600"/>
+          </a:xfrm>
+          <a:prstGeom prst="rect">
+            <a:avLst/>
+          </a:prstGeom>
+        </p:spPr>
+        <p:txBody>
+          <a:bodyPr spcFirstLastPara="1" wrap="square" lIns="91425" tIns="91425" rIns="91425" bIns="91425" anchor="t" anchorCtr="0">
+            <a:normAutofit/>
+          </a:bodyPr>
+          <a:lstStyle/>
+          <a:p>
+            <a:pPr marL="0" lvl="0" indent="0" algn="ctr" rtl="0">
+              <a:spcBef>
+                <a:spcPts val="0"/>
+              </a:spcBef>
+              <a:spcAft>
+                <a:spcPts val="0"/>
+              </a:spcAft>
+              <a:buNone/>
+            </a:pPr>
+            <a:endParaRPr/>
+          </a:p>
+        </p:txBody>
+      </p:sp>
     </p:spTree>
   </p:cSld>
   <p:clrMapOvr>
